--- a/Later/Lambda/18.2/Java Reference to a Static Method.pptx
+++ b/Later/Lambda/18.2/Java Reference to a Static Method.pptx
@@ -193,7 +193,7 @@
           <a:p>
             <a:fld id="{62274EC6-3890-417B-9308-14EFBD00FA63}" type="datetimeFigureOut">
               <a:rPr lang="en-US" smtClean="0"/>
-              <a:t>3/9/2017</a:t>
+              <a:t>3/10/2017</a:t>
             </a:fld>
             <a:endParaRPr lang="en-US" dirty="0"/>
           </a:p>
@@ -821,7 +821,7 @@
             <a:fld id="{1D8BD707-D9CF-40AE-B4C6-C98DA3205C09}" type="datetimeFigureOut">
               <a:rPr lang="en-US" smtClean="0"/>
               <a:pPr/>
-              <a:t>3/9/2017</a:t>
+              <a:t>3/10/2017</a:t>
             </a:fld>
             <a:endParaRPr lang="en-US" dirty="0"/>
           </a:p>
@@ -993,7 +993,7 @@
             <a:fld id="{1D8BD707-D9CF-40AE-B4C6-C98DA3205C09}" type="datetimeFigureOut">
               <a:rPr lang="en-US" smtClean="0"/>
               <a:pPr/>
-              <a:t>3/9/2017</a:t>
+              <a:t>3/10/2017</a:t>
             </a:fld>
             <a:endParaRPr lang="en-US" dirty="0"/>
           </a:p>
@@ -1175,7 +1175,7 @@
             <a:fld id="{1D8BD707-D9CF-40AE-B4C6-C98DA3205C09}" type="datetimeFigureOut">
               <a:rPr lang="en-US" smtClean="0"/>
               <a:pPr/>
-              <a:t>3/9/2017</a:t>
+              <a:t>3/10/2017</a:t>
             </a:fld>
             <a:endParaRPr lang="en-US" dirty="0"/>
           </a:p>
@@ -1347,7 +1347,7 @@
             <a:fld id="{1D8BD707-D9CF-40AE-B4C6-C98DA3205C09}" type="datetimeFigureOut">
               <a:rPr lang="en-US" smtClean="0"/>
               <a:pPr/>
-              <a:t>3/9/2017</a:t>
+              <a:t>3/10/2017</a:t>
             </a:fld>
             <a:endParaRPr lang="en-US" dirty="0"/>
           </a:p>
@@ -1595,7 +1595,7 @@
             <a:fld id="{1D8BD707-D9CF-40AE-B4C6-C98DA3205C09}" type="datetimeFigureOut">
               <a:rPr lang="en-US" smtClean="0"/>
               <a:pPr/>
-              <a:t>3/9/2017</a:t>
+              <a:t>3/10/2017</a:t>
             </a:fld>
             <a:endParaRPr lang="en-US" dirty="0"/>
           </a:p>
@@ -1885,7 +1885,7 @@
             <a:fld id="{1D8BD707-D9CF-40AE-B4C6-C98DA3205C09}" type="datetimeFigureOut">
               <a:rPr lang="en-US" smtClean="0"/>
               <a:pPr/>
-              <a:t>3/9/2017</a:t>
+              <a:t>3/10/2017</a:t>
             </a:fld>
             <a:endParaRPr lang="en-US" dirty="0"/>
           </a:p>
@@ -2314,7 +2314,7 @@
             <a:fld id="{1D8BD707-D9CF-40AE-B4C6-C98DA3205C09}" type="datetimeFigureOut">
               <a:rPr lang="en-US" smtClean="0"/>
               <a:pPr/>
-              <a:t>3/9/2017</a:t>
+              <a:t>3/10/2017</a:t>
             </a:fld>
             <a:endParaRPr lang="en-US" dirty="0"/>
           </a:p>
@@ -2434,7 +2434,7 @@
             <a:fld id="{1D8BD707-D9CF-40AE-B4C6-C98DA3205C09}" type="datetimeFigureOut">
               <a:rPr lang="en-US" smtClean="0"/>
               <a:pPr/>
-              <a:t>3/9/2017</a:t>
+              <a:t>3/10/2017</a:t>
             </a:fld>
             <a:endParaRPr lang="en-US" dirty="0"/>
           </a:p>
@@ -2531,7 +2531,7 @@
             <a:fld id="{1D8BD707-D9CF-40AE-B4C6-C98DA3205C09}" type="datetimeFigureOut">
               <a:rPr lang="en-US" smtClean="0"/>
               <a:pPr/>
-              <a:t>3/9/2017</a:t>
+              <a:t>3/10/2017</a:t>
             </a:fld>
             <a:endParaRPr lang="en-US" dirty="0"/>
           </a:p>
@@ -2810,7 +2810,7 @@
             <a:fld id="{1D8BD707-D9CF-40AE-B4C6-C98DA3205C09}" type="datetimeFigureOut">
               <a:rPr lang="en-US" smtClean="0"/>
               <a:pPr/>
-              <a:t>3/9/2017</a:t>
+              <a:t>3/10/2017</a:t>
             </a:fld>
             <a:endParaRPr lang="en-US" dirty="0"/>
           </a:p>
@@ -3065,7 +3065,7 @@
             <a:fld id="{1D8BD707-D9CF-40AE-B4C6-C98DA3205C09}" type="datetimeFigureOut">
               <a:rPr lang="en-US" smtClean="0"/>
               <a:pPr/>
-              <a:t>3/9/2017</a:t>
+              <a:t>3/10/2017</a:t>
             </a:fld>
             <a:endParaRPr lang="en-US" dirty="0"/>
           </a:p>
@@ -3280,7 +3280,7 @@
             <a:fld id="{1D8BD707-D9CF-40AE-B4C6-C98DA3205C09}" type="datetimeFigureOut">
               <a:rPr lang="en-US" smtClean="0"/>
               <a:pPr/>
-              <a:t>3/9/2017</a:t>
+              <a:t>3/10/2017</a:t>
             </a:fld>
             <a:endParaRPr lang="en-US" dirty="0"/>
           </a:p>
@@ -3863,7 +3863,6 @@
               <a:rPr lang="en-US" dirty="0"/>
               <a:t>ContainingClass::staticMethodName </a:t>
             </a:r>
-            <a:endParaRPr lang="en-US" dirty="0"/>
           </a:p>
         </p:txBody>
       </p:sp>
@@ -3934,7 +3933,6 @@
               <a:rPr lang="en-US" sz="1200" dirty="0"/>
               <a:t>can refer to static method defined in the class. Following is the syntax </a:t>
             </a:r>
-            <a:endParaRPr lang="en-US" sz="1200" dirty="0"/>
           </a:p>
         </p:txBody>
       </p:sp>
@@ -4269,6 +4267,41 @@
           </a:p>
         </p:txBody>
       </p:sp>
+      <p:cxnSp>
+        <p:nvCxnSpPr>
+          <p:cNvPr id="10" name="Elbow Connector 9"/>
+          <p:cNvCxnSpPr/>
+          <p:nvPr/>
+        </p:nvCxnSpPr>
+        <p:spPr>
+          <a:xfrm rot="10800000">
+            <a:off x="5029200" y="2840040"/>
+            <a:ext cx="1219200" cy="1065211"/>
+          </a:xfrm>
+          <a:prstGeom prst="bentConnector3">
+            <a:avLst>
+              <a:gd name="adj1" fmla="val 0"/>
+            </a:avLst>
+          </a:prstGeom>
+          <a:ln>
+            <a:tailEnd type="arrow"/>
+          </a:ln>
+        </p:spPr>
+        <p:style>
+          <a:lnRef idx="2">
+            <a:schemeClr val="accent4"/>
+          </a:lnRef>
+          <a:fillRef idx="0">
+            <a:schemeClr val="accent4"/>
+          </a:fillRef>
+          <a:effectRef idx="1">
+            <a:schemeClr val="accent4"/>
+          </a:effectRef>
+          <a:fontRef idx="minor">
+            <a:schemeClr val="tx1"/>
+          </a:fontRef>
+        </p:style>
+      </p:cxnSp>
     </p:spTree>
     <p:extLst>
       <p:ext uri="{BB962C8B-B14F-4D97-AF65-F5344CB8AC3E}">
